--- a/Apresentação.pptx
+++ b/Apresentação.pptx
@@ -442,38 +442,37 @@
           <a:p>
             <a:pPr lvl="0" rtl="0"/>
             <a:r>
-              <a:rPr lang="pt-PT" dirty="0" smtClean="0"/>
+              <a:rPr lang="pt-PT" dirty="0"/>
               <a:t>Clique para editar os Estilos de texto do modelo global</a:t>
             </a:r>
           </a:p>
           <a:p>
             <a:pPr lvl="1" rtl="0"/>
             <a:r>
-              <a:rPr lang="pt-PT" dirty="0" smtClean="0"/>
+              <a:rPr lang="pt-PT" dirty="0"/>
               <a:t>Segundo nível</a:t>
             </a:r>
           </a:p>
           <a:p>
             <a:pPr lvl="2" rtl="0"/>
             <a:r>
-              <a:rPr lang="pt-PT" dirty="0" smtClean="0"/>
+              <a:rPr lang="pt-PT" dirty="0"/>
               <a:t>Terceiro nível</a:t>
             </a:r>
           </a:p>
           <a:p>
             <a:pPr lvl="3" rtl="0"/>
             <a:r>
-              <a:rPr lang="pt-PT" dirty="0" smtClean="0"/>
+              <a:rPr lang="pt-PT" dirty="0"/>
               <a:t>Quarto nível</a:t>
             </a:r>
           </a:p>
           <a:p>
             <a:pPr lvl="4" rtl="0"/>
             <a:r>
-              <a:rPr lang="pt-PT" dirty="0" smtClean="0"/>
+              <a:rPr lang="pt-PT" dirty="0"/>
               <a:t>Quinto nível</a:t>
             </a:r>
-            <a:endParaRPr lang="pt-PT" dirty="0"/>
           </a:p>
         </p:txBody>
       </p:sp>
@@ -1476,7 +1475,7 @@
           <a:p>
             <a:pPr rtl="0"/>
             <a:r>
-              <a:rPr lang="pt-PT" smtClean="0"/>
+              <a:rPr lang="pt-PT"/>
               <a:t>Clique para editar o estilo</a:t>
             </a:r>
             <a:endParaRPr kumimoji="0" lang="pt-PT" dirty="0"/>
@@ -1538,7 +1537,7 @@
           <a:p>
             <a:pPr rtl="0"/>
             <a:r>
-              <a:rPr lang="pt-PT" smtClean="0"/>
+              <a:rPr lang="pt-PT"/>
               <a:t>Faça clique para editar o estilo</a:t>
             </a:r>
             <a:endParaRPr kumimoji="0" lang="pt-PT" dirty="0"/>
@@ -1586,10 +1585,9 @@
           <a:p>
             <a:pPr rtl="0"/>
             <a:r>
-              <a:rPr lang="pt-PT" dirty="0" smtClean="0"/>
+              <a:rPr lang="pt-PT" dirty="0"/>
               <a:t>Adicione um rodapé</a:t>
             </a:r>
-            <a:endParaRPr lang="pt-PT" dirty="0"/>
           </a:p>
         </p:txBody>
       </p:sp>
@@ -1676,7 +1674,7 @@
           <a:p>
             <a:pPr rtl="0"/>
             <a:r>
-              <a:rPr lang="pt-PT" smtClean="0"/>
+              <a:rPr lang="pt-PT"/>
               <a:t>Clique para editar o estilo</a:t>
             </a:r>
             <a:endParaRPr kumimoji="0" lang="pt-PT" dirty="0"/>
@@ -1700,35 +1698,35 @@
           <a:p>
             <a:pPr lvl="0" rtl="0" eaLnBrk="1" latinLnBrk="0" hangingPunct="1"/>
             <a:r>
-              <a:rPr lang="pt-PT" smtClean="0"/>
+              <a:rPr lang="pt-PT"/>
               <a:t>Clique para editar os estilos</a:t>
             </a:r>
           </a:p>
           <a:p>
             <a:pPr lvl="1" rtl="0" eaLnBrk="1" latinLnBrk="0" hangingPunct="1"/>
             <a:r>
-              <a:rPr lang="pt-PT" smtClean="0"/>
+              <a:rPr lang="pt-PT"/>
               <a:t>Segundo nível</a:t>
             </a:r>
           </a:p>
           <a:p>
             <a:pPr lvl="2" rtl="0" eaLnBrk="1" latinLnBrk="0" hangingPunct="1"/>
             <a:r>
-              <a:rPr lang="pt-PT" smtClean="0"/>
+              <a:rPr lang="pt-PT"/>
               <a:t>Terceiro nível</a:t>
             </a:r>
           </a:p>
           <a:p>
             <a:pPr lvl="3" rtl="0" eaLnBrk="1" latinLnBrk="0" hangingPunct="1"/>
             <a:r>
-              <a:rPr lang="pt-PT" smtClean="0"/>
+              <a:rPr lang="pt-PT"/>
               <a:t>Quarto nível</a:t>
             </a:r>
           </a:p>
           <a:p>
             <a:pPr lvl="4" rtl="0" eaLnBrk="1" latinLnBrk="0" hangingPunct="1"/>
             <a:r>
-              <a:rPr lang="pt-PT" smtClean="0"/>
+              <a:rPr lang="pt-PT"/>
               <a:t>Quinto nível</a:t>
             </a:r>
             <a:endParaRPr kumimoji="0" lang="pt-PT" dirty="0"/>
@@ -1776,10 +1774,9 @@
           <a:p>
             <a:pPr rtl="0"/>
             <a:r>
-              <a:rPr lang="pt-PT" dirty="0" smtClean="0"/>
+              <a:rPr lang="pt-PT" dirty="0"/>
               <a:t>Adicione um rodapé</a:t>
             </a:r>
-            <a:endParaRPr lang="pt-PT" dirty="0"/>
           </a:p>
         </p:txBody>
       </p:sp>
@@ -1871,7 +1868,7 @@
           <a:p>
             <a:pPr rtl="0"/>
             <a:r>
-              <a:rPr lang="pt-PT" smtClean="0"/>
+              <a:rPr lang="pt-PT"/>
               <a:t>Clique para editar o estilo</a:t>
             </a:r>
             <a:endParaRPr kumimoji="0" lang="pt-PT" dirty="0"/>
@@ -1900,35 +1897,35 @@
           <a:p>
             <a:pPr lvl="0" rtl="0" eaLnBrk="1" latinLnBrk="0" hangingPunct="1"/>
             <a:r>
-              <a:rPr lang="pt-PT" smtClean="0"/>
+              <a:rPr lang="pt-PT"/>
               <a:t>Clique para editar os estilos</a:t>
             </a:r>
           </a:p>
           <a:p>
             <a:pPr lvl="1" rtl="0" eaLnBrk="1" latinLnBrk="0" hangingPunct="1"/>
             <a:r>
-              <a:rPr lang="pt-PT" smtClean="0"/>
+              <a:rPr lang="pt-PT"/>
               <a:t>Segundo nível</a:t>
             </a:r>
           </a:p>
           <a:p>
             <a:pPr lvl="2" rtl="0" eaLnBrk="1" latinLnBrk="0" hangingPunct="1"/>
             <a:r>
-              <a:rPr lang="pt-PT" smtClean="0"/>
+              <a:rPr lang="pt-PT"/>
               <a:t>Terceiro nível</a:t>
             </a:r>
           </a:p>
           <a:p>
             <a:pPr lvl="3" rtl="0" eaLnBrk="1" latinLnBrk="0" hangingPunct="1"/>
             <a:r>
-              <a:rPr lang="pt-PT" smtClean="0"/>
+              <a:rPr lang="pt-PT"/>
               <a:t>Quarto nível</a:t>
             </a:r>
           </a:p>
           <a:p>
             <a:pPr lvl="4" rtl="0" eaLnBrk="1" latinLnBrk="0" hangingPunct="1"/>
             <a:r>
-              <a:rPr lang="pt-PT" smtClean="0"/>
+              <a:rPr lang="pt-PT"/>
               <a:t>Quinto nível</a:t>
             </a:r>
             <a:endParaRPr kumimoji="0" lang="pt-PT" dirty="0"/>
@@ -1976,10 +1973,9 @@
           <a:p>
             <a:pPr rtl="0"/>
             <a:r>
-              <a:rPr lang="pt-PT" dirty="0" smtClean="0"/>
+              <a:rPr lang="pt-PT" dirty="0"/>
               <a:t>Adicione um rodapé</a:t>
             </a:r>
-            <a:endParaRPr lang="pt-PT" dirty="0"/>
           </a:p>
         </p:txBody>
       </p:sp>
@@ -2066,7 +2062,7 @@
           <a:p>
             <a:pPr rtl="0"/>
             <a:r>
-              <a:rPr lang="pt-PT" smtClean="0"/>
+              <a:rPr lang="pt-PT"/>
               <a:t>Clique para editar o estilo</a:t>
             </a:r>
             <a:endParaRPr kumimoji="0" lang="pt-PT" dirty="0"/>
@@ -2090,35 +2086,35 @@
           <a:p>
             <a:pPr lvl="0" rtl="0" eaLnBrk="1" latinLnBrk="0" hangingPunct="1"/>
             <a:r>
-              <a:rPr lang="pt-PT" smtClean="0"/>
+              <a:rPr lang="pt-PT"/>
               <a:t>Clique para editar os estilos</a:t>
             </a:r>
           </a:p>
           <a:p>
             <a:pPr lvl="1" rtl="0" eaLnBrk="1" latinLnBrk="0" hangingPunct="1"/>
             <a:r>
-              <a:rPr lang="pt-PT" smtClean="0"/>
+              <a:rPr lang="pt-PT"/>
               <a:t>Segundo nível</a:t>
             </a:r>
           </a:p>
           <a:p>
             <a:pPr lvl="2" rtl="0" eaLnBrk="1" latinLnBrk="0" hangingPunct="1"/>
             <a:r>
-              <a:rPr lang="pt-PT" smtClean="0"/>
+              <a:rPr lang="pt-PT"/>
               <a:t>Terceiro nível</a:t>
             </a:r>
           </a:p>
           <a:p>
             <a:pPr lvl="3" rtl="0" eaLnBrk="1" latinLnBrk="0" hangingPunct="1"/>
             <a:r>
-              <a:rPr lang="pt-PT" smtClean="0"/>
+              <a:rPr lang="pt-PT"/>
               <a:t>Quarto nível</a:t>
             </a:r>
           </a:p>
           <a:p>
             <a:pPr lvl="4" rtl="0" eaLnBrk="1" latinLnBrk="0" hangingPunct="1"/>
             <a:r>
-              <a:rPr lang="pt-PT" smtClean="0"/>
+              <a:rPr lang="pt-PT"/>
               <a:t>Quinto nível</a:t>
             </a:r>
             <a:endParaRPr kumimoji="0" lang="pt-PT" dirty="0"/>
@@ -2166,10 +2162,9 @@
           <a:p>
             <a:pPr rtl="0"/>
             <a:r>
-              <a:rPr lang="pt-PT" dirty="0" smtClean="0"/>
+              <a:rPr lang="pt-PT" dirty="0"/>
               <a:t>Adicione um rodapé</a:t>
             </a:r>
-            <a:endParaRPr lang="pt-PT" dirty="0"/>
           </a:p>
         </p:txBody>
       </p:sp>
@@ -2294,7 +2289,7 @@
           <a:p>
             <a:pPr rtl="0"/>
             <a:r>
-              <a:rPr lang="pt-PT" smtClean="0"/>
+              <a:rPr lang="pt-PT"/>
               <a:t>Clique para editar o estilo</a:t>
             </a:r>
             <a:endParaRPr kumimoji="0" lang="pt-PT" dirty="0"/>
@@ -2372,7 +2367,7 @@
           <a:p>
             <a:pPr lvl="0" rtl="0" eaLnBrk="1" latinLnBrk="0" hangingPunct="1"/>
             <a:r>
-              <a:rPr lang="pt-PT" smtClean="0"/>
+              <a:rPr lang="pt-PT"/>
               <a:t>Clique para editar os estilos</a:t>
             </a:r>
           </a:p>
@@ -2419,10 +2414,9 @@
           <a:p>
             <a:pPr rtl="0"/>
             <a:r>
-              <a:rPr lang="pt-PT" dirty="0" smtClean="0"/>
+              <a:rPr lang="pt-PT" dirty="0"/>
               <a:t>Adicione um rodapé</a:t>
             </a:r>
-            <a:endParaRPr lang="pt-PT" dirty="0"/>
           </a:p>
         </p:txBody>
       </p:sp>
@@ -2514,7 +2508,7 @@
           <a:p>
             <a:pPr rtl="0"/>
             <a:r>
-              <a:rPr lang="pt-PT" smtClean="0"/>
+              <a:rPr lang="pt-PT"/>
               <a:t>Clique para editar o estilo</a:t>
             </a:r>
             <a:endParaRPr kumimoji="0" lang="pt-PT" dirty="0"/>
@@ -2559,35 +2553,35 @@
           <a:p>
             <a:pPr lvl="0" rtl="0" eaLnBrk="1" latinLnBrk="0" hangingPunct="1"/>
             <a:r>
-              <a:rPr lang="pt-PT" smtClean="0"/>
+              <a:rPr lang="pt-PT"/>
               <a:t>Clique para editar os estilos</a:t>
             </a:r>
           </a:p>
           <a:p>
             <a:pPr lvl="1" rtl="0" eaLnBrk="1" latinLnBrk="0" hangingPunct="1"/>
             <a:r>
-              <a:rPr lang="pt-PT" smtClean="0"/>
+              <a:rPr lang="pt-PT"/>
               <a:t>Segundo nível</a:t>
             </a:r>
           </a:p>
           <a:p>
             <a:pPr lvl="2" rtl="0" eaLnBrk="1" latinLnBrk="0" hangingPunct="1"/>
             <a:r>
-              <a:rPr lang="pt-PT" smtClean="0"/>
+              <a:rPr lang="pt-PT"/>
               <a:t>Terceiro nível</a:t>
             </a:r>
           </a:p>
           <a:p>
             <a:pPr lvl="3" rtl="0" eaLnBrk="1" latinLnBrk="0" hangingPunct="1"/>
             <a:r>
-              <a:rPr lang="pt-PT" smtClean="0"/>
+              <a:rPr lang="pt-PT"/>
               <a:t>Quarto nível</a:t>
             </a:r>
           </a:p>
           <a:p>
             <a:pPr lvl="4" rtl="0" eaLnBrk="1" latinLnBrk="0" hangingPunct="1"/>
             <a:r>
-              <a:rPr lang="pt-PT" smtClean="0"/>
+              <a:rPr lang="pt-PT"/>
               <a:t>Quinto nível</a:t>
             </a:r>
             <a:endParaRPr kumimoji="0" lang="pt-PT" dirty="0"/>
@@ -2632,35 +2626,35 @@
           <a:p>
             <a:pPr lvl="0" rtl="0" eaLnBrk="1" latinLnBrk="0" hangingPunct="1"/>
             <a:r>
-              <a:rPr lang="pt-PT" smtClean="0"/>
+              <a:rPr lang="pt-PT"/>
               <a:t>Clique para editar os estilos</a:t>
             </a:r>
           </a:p>
           <a:p>
             <a:pPr lvl="1" rtl="0" eaLnBrk="1" latinLnBrk="0" hangingPunct="1"/>
             <a:r>
-              <a:rPr lang="pt-PT" smtClean="0"/>
+              <a:rPr lang="pt-PT"/>
               <a:t>Segundo nível</a:t>
             </a:r>
           </a:p>
           <a:p>
             <a:pPr lvl="2" rtl="0" eaLnBrk="1" latinLnBrk="0" hangingPunct="1"/>
             <a:r>
-              <a:rPr lang="pt-PT" smtClean="0"/>
+              <a:rPr lang="pt-PT"/>
               <a:t>Terceiro nível</a:t>
             </a:r>
           </a:p>
           <a:p>
             <a:pPr lvl="3" rtl="0" eaLnBrk="1" latinLnBrk="0" hangingPunct="1"/>
             <a:r>
-              <a:rPr lang="pt-PT" smtClean="0"/>
+              <a:rPr lang="pt-PT"/>
               <a:t>Quarto nível</a:t>
             </a:r>
           </a:p>
           <a:p>
             <a:pPr lvl="4" rtl="0" eaLnBrk="1" latinLnBrk="0" hangingPunct="1"/>
             <a:r>
-              <a:rPr lang="pt-PT" smtClean="0"/>
+              <a:rPr lang="pt-PT"/>
               <a:t>Quinto nível</a:t>
             </a:r>
             <a:endParaRPr kumimoji="0" lang="pt-PT" dirty="0"/>
@@ -2708,10 +2702,9 @@
           <a:p>
             <a:pPr rtl="0"/>
             <a:r>
-              <a:rPr lang="pt-PT" dirty="0" smtClean="0"/>
+              <a:rPr lang="pt-PT" dirty="0"/>
               <a:t>Adicione um rodapé</a:t>
             </a:r>
-            <a:endParaRPr lang="pt-PT" dirty="0"/>
           </a:p>
         </p:txBody>
       </p:sp>
@@ -2807,7 +2800,7 @@
           <a:p>
             <a:pPr rtl="0"/>
             <a:r>
-              <a:rPr lang="pt-PT" smtClean="0"/>
+              <a:rPr lang="pt-PT"/>
               <a:t>Clique para editar o estilo</a:t>
             </a:r>
             <a:endParaRPr kumimoji="0" lang="pt-PT" dirty="0"/>
@@ -2864,7 +2857,7 @@
           <a:p>
             <a:pPr lvl="0" rtl="0" eaLnBrk="1" latinLnBrk="0" hangingPunct="1"/>
             <a:r>
-              <a:rPr lang="pt-PT" smtClean="0"/>
+              <a:rPr lang="pt-PT"/>
               <a:t>Clique para editar os estilos</a:t>
             </a:r>
           </a:p>
@@ -2908,35 +2901,35 @@
           <a:p>
             <a:pPr lvl="0" rtl="0" eaLnBrk="1" latinLnBrk="0" hangingPunct="1"/>
             <a:r>
-              <a:rPr lang="pt-PT" smtClean="0"/>
+              <a:rPr lang="pt-PT"/>
               <a:t>Clique para editar os estilos</a:t>
             </a:r>
           </a:p>
           <a:p>
             <a:pPr lvl="1" rtl="0" eaLnBrk="1" latinLnBrk="0" hangingPunct="1"/>
             <a:r>
-              <a:rPr lang="pt-PT" smtClean="0"/>
+              <a:rPr lang="pt-PT"/>
               <a:t>Segundo nível</a:t>
             </a:r>
           </a:p>
           <a:p>
             <a:pPr lvl="2" rtl="0" eaLnBrk="1" latinLnBrk="0" hangingPunct="1"/>
             <a:r>
-              <a:rPr lang="pt-PT" smtClean="0"/>
+              <a:rPr lang="pt-PT"/>
               <a:t>Terceiro nível</a:t>
             </a:r>
           </a:p>
           <a:p>
             <a:pPr lvl="3" rtl="0" eaLnBrk="1" latinLnBrk="0" hangingPunct="1"/>
             <a:r>
-              <a:rPr lang="pt-PT" smtClean="0"/>
+              <a:rPr lang="pt-PT"/>
               <a:t>Quarto nível</a:t>
             </a:r>
           </a:p>
           <a:p>
             <a:pPr lvl="4" rtl="0" eaLnBrk="1" latinLnBrk="0" hangingPunct="1"/>
             <a:r>
-              <a:rPr lang="pt-PT" smtClean="0"/>
+              <a:rPr lang="pt-PT"/>
               <a:t>Quinto nível</a:t>
             </a:r>
             <a:endParaRPr kumimoji="0" lang="pt-PT" dirty="0"/>
@@ -2991,7 +2984,7 @@
           <a:p>
             <a:pPr lvl="0" rtl="0" eaLnBrk="1" latinLnBrk="0" hangingPunct="1"/>
             <a:r>
-              <a:rPr lang="pt-PT" smtClean="0"/>
+              <a:rPr lang="pt-PT"/>
               <a:t>Clique para editar os estilos</a:t>
             </a:r>
           </a:p>
@@ -3035,35 +3028,35 @@
           <a:p>
             <a:pPr lvl="0" rtl="0" eaLnBrk="1" latinLnBrk="0" hangingPunct="1"/>
             <a:r>
-              <a:rPr lang="pt-PT" smtClean="0"/>
+              <a:rPr lang="pt-PT"/>
               <a:t>Clique para editar os estilos</a:t>
             </a:r>
           </a:p>
           <a:p>
             <a:pPr lvl="1" rtl="0" eaLnBrk="1" latinLnBrk="0" hangingPunct="1"/>
             <a:r>
-              <a:rPr lang="pt-PT" smtClean="0"/>
+              <a:rPr lang="pt-PT"/>
               <a:t>Segundo nível</a:t>
             </a:r>
           </a:p>
           <a:p>
             <a:pPr lvl="2" rtl="0" eaLnBrk="1" latinLnBrk="0" hangingPunct="1"/>
             <a:r>
-              <a:rPr lang="pt-PT" smtClean="0"/>
+              <a:rPr lang="pt-PT"/>
               <a:t>Terceiro nível</a:t>
             </a:r>
           </a:p>
           <a:p>
             <a:pPr lvl="3" rtl="0" eaLnBrk="1" latinLnBrk="0" hangingPunct="1"/>
             <a:r>
-              <a:rPr lang="pt-PT" smtClean="0"/>
+              <a:rPr lang="pt-PT"/>
               <a:t>Quarto nível</a:t>
             </a:r>
           </a:p>
           <a:p>
             <a:pPr lvl="4" rtl="0" eaLnBrk="1" latinLnBrk="0" hangingPunct="1"/>
             <a:r>
-              <a:rPr lang="pt-PT" smtClean="0"/>
+              <a:rPr lang="pt-PT"/>
               <a:t>Quinto nível</a:t>
             </a:r>
             <a:endParaRPr kumimoji="0" lang="pt-PT" dirty="0"/>
@@ -3111,10 +3104,9 @@
           <a:p>
             <a:pPr rtl="0"/>
             <a:r>
-              <a:rPr lang="pt-PT" dirty="0" smtClean="0"/>
+              <a:rPr lang="pt-PT" dirty="0"/>
               <a:t>Adicione um rodapé</a:t>
             </a:r>
-            <a:endParaRPr lang="pt-PT" dirty="0"/>
           </a:p>
         </p:txBody>
       </p:sp>
@@ -3238,7 +3230,7 @@
           <a:p>
             <a:pPr rtl="0"/>
             <a:r>
-              <a:rPr lang="pt-PT" smtClean="0"/>
+              <a:rPr lang="pt-PT"/>
               <a:t>Clique para editar o estilo</a:t>
             </a:r>
             <a:endParaRPr kumimoji="0" lang="pt-PT" dirty="0"/>
@@ -3286,10 +3278,9 @@
           <a:p>
             <a:pPr rtl="0"/>
             <a:r>
-              <a:rPr lang="pt-PT" dirty="0" smtClean="0"/>
+              <a:rPr lang="pt-PT" dirty="0"/>
               <a:t>Adicione um rodapé</a:t>
             </a:r>
-            <a:endParaRPr lang="pt-PT" dirty="0"/>
           </a:p>
         </p:txBody>
       </p:sp>
@@ -3400,10 +3391,9 @@
           <a:p>
             <a:pPr rtl="0"/>
             <a:r>
-              <a:rPr lang="pt-PT" dirty="0" smtClean="0"/>
+              <a:rPr lang="pt-PT" dirty="0"/>
               <a:t>Adicione um rodapé</a:t>
             </a:r>
-            <a:endParaRPr lang="pt-PT" dirty="0"/>
           </a:p>
         </p:txBody>
       </p:sp>
@@ -3516,7 +3506,7 @@
           <a:p>
             <a:pPr rtl="0"/>
             <a:r>
-              <a:rPr lang="pt-PT" smtClean="0"/>
+              <a:rPr lang="pt-PT"/>
               <a:t>Clique para editar o estilo</a:t>
             </a:r>
             <a:endParaRPr kumimoji="0" lang="pt-PT" dirty="0"/>
@@ -3561,35 +3551,35 @@
           <a:p>
             <a:pPr lvl="0" rtl="0" eaLnBrk="1" latinLnBrk="0" hangingPunct="1"/>
             <a:r>
-              <a:rPr lang="pt-PT" smtClean="0"/>
+              <a:rPr lang="pt-PT"/>
               <a:t>Clique para editar os estilos</a:t>
             </a:r>
           </a:p>
           <a:p>
             <a:pPr lvl="1" rtl="0" eaLnBrk="1" latinLnBrk="0" hangingPunct="1"/>
             <a:r>
-              <a:rPr lang="pt-PT" smtClean="0"/>
+              <a:rPr lang="pt-PT"/>
               <a:t>Segundo nível</a:t>
             </a:r>
           </a:p>
           <a:p>
             <a:pPr lvl="2" rtl="0" eaLnBrk="1" latinLnBrk="0" hangingPunct="1"/>
             <a:r>
-              <a:rPr lang="pt-PT" smtClean="0"/>
+              <a:rPr lang="pt-PT"/>
               <a:t>Terceiro nível</a:t>
             </a:r>
           </a:p>
           <a:p>
             <a:pPr lvl="3" rtl="0" eaLnBrk="1" latinLnBrk="0" hangingPunct="1"/>
             <a:r>
-              <a:rPr lang="pt-PT" smtClean="0"/>
+              <a:rPr lang="pt-PT"/>
               <a:t>Quarto nível</a:t>
             </a:r>
           </a:p>
           <a:p>
             <a:pPr lvl="4" rtl="0" eaLnBrk="1" latinLnBrk="0" hangingPunct="1"/>
             <a:r>
-              <a:rPr lang="pt-PT" smtClean="0"/>
+              <a:rPr lang="pt-PT"/>
               <a:t>Quinto nível</a:t>
             </a:r>
             <a:endParaRPr kumimoji="0" lang="pt-PT" dirty="0"/>
@@ -3639,7 +3629,7 @@
           <a:p>
             <a:pPr lvl="0" rtl="0" eaLnBrk="1" latinLnBrk="0" hangingPunct="1"/>
             <a:r>
-              <a:rPr lang="pt-PT" smtClean="0"/>
+              <a:rPr lang="pt-PT"/>
               <a:t>Clique para editar os estilos</a:t>
             </a:r>
           </a:p>
@@ -3686,10 +3676,9 @@
           <a:p>
             <a:pPr rtl="0"/>
             <a:r>
-              <a:rPr lang="pt-PT" dirty="0" smtClean="0"/>
+              <a:rPr lang="pt-PT" dirty="0"/>
               <a:t>Adicione um rodapé</a:t>
             </a:r>
-            <a:endParaRPr lang="pt-PT" dirty="0"/>
           </a:p>
         </p:txBody>
       </p:sp>
@@ -3902,7 +3891,7 @@
           <a:p>
             <a:pPr rtl="0"/>
             <a:r>
-              <a:rPr lang="pt-PT" smtClean="0"/>
+              <a:rPr lang="pt-PT"/>
               <a:t>Clique para editar o estilo</a:t>
             </a:r>
             <a:endParaRPr kumimoji="0" lang="pt-PT" dirty="0"/>
@@ -3949,7 +3938,7 @@
           <a:p>
             <a:pPr rtl="0"/>
             <a:r>
-              <a:rPr lang="pt-PT" smtClean="0"/>
+              <a:rPr lang="pt-PT"/>
               <a:t>Clique no ícone para adicionar uma imagem</a:t>
             </a:r>
             <a:endParaRPr kumimoji="0" lang="pt-PT" dirty="0"/>
@@ -3999,7 +3988,7 @@
           <a:p>
             <a:pPr lvl="0" rtl="0" eaLnBrk="1" latinLnBrk="0" hangingPunct="1"/>
             <a:r>
-              <a:rPr lang="pt-PT" smtClean="0"/>
+              <a:rPr lang="pt-PT"/>
               <a:t>Clique para editar os estilos</a:t>
             </a:r>
           </a:p>
@@ -4046,10 +4035,9 @@
           <a:p>
             <a:pPr rtl="0"/>
             <a:r>
-              <a:rPr lang="pt-PT" dirty="0" smtClean="0"/>
+              <a:rPr lang="pt-PT" dirty="0"/>
               <a:t>Adicione um rodapé</a:t>
             </a:r>
-            <a:endParaRPr lang="pt-PT" dirty="0"/>
           </a:p>
         </p:txBody>
       </p:sp>
@@ -4960,7 +4948,7 @@
           <a:p>
             <a:pPr rtl="0"/>
             <a:r>
-              <a:rPr lang="pt-PT" dirty="0" smtClean="0"/>
+              <a:rPr lang="pt-PT" dirty="0"/>
               <a:t>Clique para editar o estilo do título do Modelo Global</a:t>
             </a:r>
             <a:endParaRPr kumimoji="0" lang="pt-PT" dirty="0"/>
@@ -4994,38 +4982,37 @@
           <a:p>
             <a:pPr lvl="0" rtl="0" eaLnBrk="1" latinLnBrk="0" hangingPunct="1"/>
             <a:r>
-              <a:rPr lang="pt-PT" dirty="0" smtClean="0"/>
+              <a:rPr lang="pt-PT" dirty="0"/>
               <a:t>Clique para editar os estilos de texto do Modelo Global</a:t>
             </a:r>
           </a:p>
           <a:p>
             <a:pPr lvl="1" rtl="0" eaLnBrk="1" latinLnBrk="0" hangingPunct="1"/>
             <a:r>
-              <a:rPr lang="pt-PT" dirty="0" smtClean="0"/>
+              <a:rPr lang="pt-PT" dirty="0"/>
               <a:t>Segundo nível</a:t>
             </a:r>
           </a:p>
           <a:p>
             <a:pPr lvl="2" rtl="0" eaLnBrk="1" latinLnBrk="0" hangingPunct="1"/>
             <a:r>
-              <a:rPr lang="pt-PT" dirty="0" smtClean="0"/>
+              <a:rPr lang="pt-PT" dirty="0"/>
               <a:t>Terceiro nível</a:t>
             </a:r>
           </a:p>
           <a:p>
             <a:pPr lvl="3" rtl="0" eaLnBrk="1" latinLnBrk="0" hangingPunct="1"/>
             <a:r>
-              <a:rPr lang="pt-PT" dirty="0" smtClean="0"/>
+              <a:rPr lang="pt-PT" dirty="0"/>
               <a:t>Quarto nível</a:t>
             </a:r>
           </a:p>
           <a:p>
             <a:pPr lvl="4" rtl="0" eaLnBrk="1" latinLnBrk="0" hangingPunct="1"/>
             <a:r>
-              <a:rPr lang="pt-PT" dirty="0" smtClean="0"/>
+              <a:rPr lang="pt-PT" dirty="0"/>
               <a:t>Quinto nível</a:t>
             </a:r>
-            <a:endParaRPr lang="pt-PT" dirty="0"/>
           </a:p>
         </p:txBody>
       </p:sp>
@@ -5102,10 +5089,9 @@
           <a:p>
             <a:pPr rtl="0"/>
             <a:r>
-              <a:rPr lang="pt-PT" dirty="0" smtClean="0"/>
+              <a:rPr lang="pt-PT" dirty="0"/>
               <a:t>Adicione um rodapé</a:t>
             </a:r>
-            <a:endParaRPr lang="pt-PT" dirty="0"/>
           </a:p>
         </p:txBody>
       </p:sp>
@@ -5183,13 +5169,6 @@
       </p:transition>
     </mc:Fallback>
   </mc:AlternateContent>
-  <p:timing>
-    <p:tnLst>
-      <p:par>
-        <p:cTn id="1" dur="indefinite" restart="never" nodeType="tmRoot"/>
-      </p:par>
-    </p:tnLst>
-  </p:timing>
   <p:hf sldNum="0" hdr="0" ftr="0" dt="0"/>
   <p:txStyles>
     <p:titleStyle>
@@ -5526,10 +5505,9 @@
           <a:p>
             <a:pPr rtl="0"/>
             <a:r>
-              <a:rPr lang="pt-PT" dirty="0" smtClean="0"/>
+              <a:rPr lang="pt-PT" dirty="0"/>
               <a:t>Projeto Final de LSD</a:t>
             </a:r>
-            <a:endParaRPr lang="pt-PT" dirty="0"/>
           </a:p>
         </p:txBody>
       </p:sp>
@@ -5550,25 +5528,24 @@
           <a:p>
             <a:pPr rtl="0"/>
             <a:r>
-              <a:rPr lang="pt-PT" dirty="0" smtClean="0"/>
+              <a:rPr lang="pt-PT" dirty="0"/>
               <a:t>Afonso Costa Rodrigues Nº107715</a:t>
             </a:r>
           </a:p>
           <a:p>
             <a:pPr rtl="0"/>
             <a:r>
-              <a:rPr lang="pt-PT" dirty="0" smtClean="0"/>
+              <a:rPr lang="pt-PT" dirty="0"/>
               <a:t>Guilherme </a:t>
             </a:r>
             <a:r>
-              <a:rPr lang="pt-PT" dirty="0" err="1" smtClean="0"/>
+              <a:rPr lang="pt-PT" dirty="0" err="1"/>
               <a:t>Chapelo</a:t>
             </a:r>
             <a:r>
-              <a:rPr lang="pt-PT" dirty="0" smtClean="0"/>
+              <a:rPr lang="pt-PT" dirty="0"/>
               <a:t> Andrade Nº107696</a:t>
             </a:r>
-            <a:endParaRPr lang="pt-PT" dirty="0" smtClean="0"/>
           </a:p>
           <a:p>
             <a:pPr rtl="0"/>
@@ -5598,13 +5575,6 @@
       </p:transition>
     </mc:Fallback>
   </mc:AlternateContent>
-  <p:timing>
-    <p:tnLst>
-      <p:par>
-        <p:cTn id="1" dur="indefinite" restart="never" nodeType="tmRoot"/>
-      </p:par>
-    </p:tnLst>
-  </p:timing>
 </p:sld>
 </file>
 
@@ -5642,10 +5612,9 @@
           <a:p>
             <a:pPr rtl="0"/>
             <a:r>
-              <a:rPr lang="pt-PT" dirty="0" smtClean="0"/>
+              <a:rPr lang="pt-PT" dirty="0"/>
               <a:t>Agenda</a:t>
             </a:r>
-            <a:endParaRPr lang="pt-PT" dirty="0"/>
           </a:p>
         </p:txBody>
       </p:sp>
@@ -5666,42 +5635,37 @@
           <a:p>
             <a:pPr rtl="0"/>
             <a:r>
-              <a:rPr lang="pt-PT" dirty="0" smtClean="0"/>
+              <a:rPr lang="pt-PT" dirty="0"/>
               <a:t>Apresentação do projeto</a:t>
             </a:r>
-            <a:endParaRPr lang="pt-PT" dirty="0" smtClean="0"/>
           </a:p>
           <a:p>
             <a:pPr rtl="0"/>
             <a:r>
-              <a:rPr lang="pt-PT" dirty="0" smtClean="0"/>
+              <a:rPr lang="pt-PT" dirty="0"/>
               <a:t>Máquina de estados</a:t>
             </a:r>
-            <a:endParaRPr lang="pt-PT" dirty="0" smtClean="0"/>
           </a:p>
           <a:p>
             <a:pPr rtl="0"/>
             <a:r>
-              <a:rPr lang="pt-PT" dirty="0" smtClean="0"/>
+              <a:rPr lang="pt-PT" dirty="0"/>
               <a:t>Arquitetura </a:t>
             </a:r>
-            <a:endParaRPr lang="pt-PT" dirty="0" smtClean="0"/>
           </a:p>
           <a:p>
             <a:pPr rtl="0"/>
             <a:r>
-              <a:rPr lang="pt-PT" dirty="0" smtClean="0"/>
+              <a:rPr lang="pt-PT" dirty="0"/>
               <a:t>Manual de Utilização </a:t>
             </a:r>
-            <a:endParaRPr lang="pt-PT" dirty="0" smtClean="0"/>
           </a:p>
           <a:p>
             <a:pPr rtl="0"/>
             <a:r>
-              <a:rPr lang="pt-PT" dirty="0" smtClean="0"/>
+              <a:rPr lang="pt-PT" dirty="0"/>
               <a:t>Conclusão</a:t>
             </a:r>
-            <a:endParaRPr lang="pt-PT" dirty="0" smtClean="0"/>
           </a:p>
         </p:txBody>
       </p:sp>
@@ -5727,13 +5691,6 @@
       </p:transition>
     </mc:Fallback>
   </mc:AlternateContent>
-  <p:timing>
-    <p:tnLst>
-      <p:par>
-        <p:cTn id="1" dur="indefinite" restart="never" nodeType="tmRoot"/>
-      </p:par>
-    </p:tnLst>
-  </p:timing>
 </p:sld>
 </file>
 
@@ -5771,10 +5728,9 @@
           <a:p>
             <a:pPr rtl="0"/>
             <a:r>
-              <a:rPr lang="pt-PT" dirty="0" smtClean="0"/>
+              <a:rPr lang="pt-PT" dirty="0"/>
               <a:t>Apresentação do projeto </a:t>
             </a:r>
-            <a:endParaRPr lang="pt-PT" dirty="0"/>
           </a:p>
         </p:txBody>
       </p:sp>
@@ -5799,10 +5755,9 @@
           <a:lstStyle/>
           <a:p>
             <a:r>
-              <a:rPr lang="pt-PT" dirty="0" smtClean="0"/>
+              <a:rPr lang="pt-PT" dirty="0"/>
               <a:t>Máquina Lavagem de Roupa</a:t>
             </a:r>
-            <a:endParaRPr lang="pt-PT" dirty="0"/>
           </a:p>
         </p:txBody>
       </p:sp>
@@ -5929,13 +5884,6 @@
       </p:transition>
     </mc:Fallback>
   </mc:AlternateContent>
-  <p:timing>
-    <p:tnLst>
-      <p:par>
-        <p:cTn id="1" dur="indefinite" restart="never" nodeType="tmRoot"/>
-      </p:par>
-    </p:tnLst>
-  </p:timing>
 </p:sld>
 </file>
 
@@ -5973,10 +5921,9 @@
           <a:p>
             <a:pPr rtl="0"/>
             <a:r>
-              <a:rPr lang="pt-PT" dirty="0" smtClean="0"/>
+              <a:rPr lang="pt-PT" dirty="0"/>
               <a:t>Máquina de Estados</a:t>
             </a:r>
-            <a:endParaRPr lang="pt-PT" dirty="0"/>
           </a:p>
         </p:txBody>
       </p:sp>
@@ -6026,13 +5973,6 @@
       </p:transition>
     </mc:Fallback>
   </mc:AlternateContent>
-  <p:timing>
-    <p:tnLst>
-      <p:par>
-        <p:cTn id="1" dur="indefinite" restart="never" nodeType="tmRoot"/>
-      </p:par>
-    </p:tnLst>
-  </p:timing>
 </p:sld>
 </file>
 
@@ -6063,20 +6003,71 @@
             <p:ph type="title"/>
           </p:nvPr>
         </p:nvSpPr>
-        <p:spPr/>
-        <p:txBody>
-          <a:bodyPr rtlCol="0"/>
+        <p:spPr>
+          <a:xfrm>
+            <a:off x="609600" y="704088"/>
+            <a:ext cx="10972800" cy="792203"/>
+          </a:xfrm>
+        </p:spPr>
+        <p:txBody>
+          <a:bodyPr rtlCol="0">
+            <a:normAutofit fontScale="90000"/>
+          </a:bodyPr>
           <a:lstStyle/>
           <a:p>
             <a:pPr rtl="0"/>
             <a:r>
-              <a:rPr lang="pt-PT" dirty="0" smtClean="0"/>
+              <a:rPr lang="pt-PT" dirty="0"/>
               <a:t>Arquitetura</a:t>
             </a:r>
-            <a:endParaRPr lang="pt-PT" dirty="0"/>
-          </a:p>
-        </p:txBody>
-      </p:sp>
+          </a:p>
+        </p:txBody>
+      </p:sp>
+      <p:pic>
+        <p:nvPicPr>
+          <p:cNvPr id="4" name="Imagem 3">
+            <a:extLst>
+              <a:ext uri="{FF2B5EF4-FFF2-40B4-BE49-F238E27FC236}">
+                <a16:creationId xmlns:a16="http://schemas.microsoft.com/office/drawing/2014/main" id="{8E5DC543-8C1B-02C1-D747-02F20C95AB0C}"/>
+              </a:ext>
+            </a:extLst>
+          </p:cNvPr>
+          <p:cNvPicPr>
+            <a:picLocks noChangeAspect="1"/>
+          </p:cNvPicPr>
+          <p:nvPr/>
+        </p:nvPicPr>
+        <p:blipFill>
+          <a:blip r:embed="rId3">
+            <a:extLst>
+              <a:ext uri="{BEBA8EAE-BF5A-486C-A8C5-ECC9F3942E4B}">
+                <a14:imgProps xmlns:a14="http://schemas.microsoft.com/office/drawing/2010/main">
+                  <a14:imgLayer r:embed="rId4">
+                    <a14:imgEffect>
+                      <a14:brightnessContrast bright="-40000" contrast="40000"/>
+                    </a14:imgEffect>
+                  </a14:imgLayer>
+                </a14:imgProps>
+              </a:ext>
+              <a:ext uri="{28A0092B-C50C-407E-A947-70E740481C1C}">
+                <a14:useLocalDpi xmlns:a14="http://schemas.microsoft.com/office/drawing/2010/main" val="0"/>
+              </a:ext>
+            </a:extLst>
+          </a:blip>
+          <a:stretch>
+            <a:fillRect/>
+          </a:stretch>
+        </p:blipFill>
+        <p:spPr>
+          <a:xfrm>
+            <a:off x="446912" y="1496291"/>
+            <a:ext cx="11298176" cy="5036608"/>
+          </a:xfrm>
+          <a:prstGeom prst="rect">
+            <a:avLst/>
+          </a:prstGeom>
+        </p:spPr>
+      </p:pic>
     </p:spTree>
     <p:extLst>
       <p:ext uri="{BB962C8B-B14F-4D97-AF65-F5344CB8AC3E}">
@@ -6099,13 +6090,6 @@
       </p:transition>
     </mc:Fallback>
   </mc:AlternateContent>
-  <p:timing>
-    <p:tnLst>
-      <p:par>
-        <p:cTn id="1" dur="indefinite" restart="never" nodeType="tmRoot"/>
-      </p:par>
-    </p:tnLst>
-  </p:timing>
 </p:sld>
 </file>
 
@@ -6143,10 +6127,9 @@
           <a:p>
             <a:pPr rtl="0"/>
             <a:r>
-              <a:rPr lang="pt-PT" dirty="0" smtClean="0"/>
+              <a:rPr lang="pt-PT" dirty="0"/>
               <a:t>Manual de Utilização</a:t>
             </a:r>
-            <a:endParaRPr lang="pt-PT" dirty="0"/>
           </a:p>
         </p:txBody>
       </p:sp>
@@ -6656,10 +6639,9 @@
           <a:lstStyle/>
           <a:p>
             <a:r>
-              <a:rPr lang="pt-PT" dirty="0" smtClean="0"/>
+              <a:rPr lang="pt-PT" dirty="0"/>
               <a:t>Displays</a:t>
             </a:r>
-            <a:endParaRPr lang="pt-PT" dirty="0" smtClean="0"/>
           </a:p>
         </p:txBody>
       </p:sp>
@@ -6690,10 +6672,9 @@
           <a:p>
             <a:pPr algn="ctr"/>
             <a:r>
-              <a:rPr lang="pt-PT" dirty="0" smtClean="0"/>
+              <a:rPr lang="pt-PT" dirty="0"/>
               <a:t>Lavar</a:t>
             </a:r>
-            <a:endParaRPr lang="pt-PT" dirty="0" smtClean="0"/>
           </a:p>
         </p:txBody>
       </p:sp>
@@ -6723,14 +6704,13 @@
           <a:lstStyle/>
           <a:p>
             <a:r>
-              <a:rPr lang="pt-PT" dirty="0" smtClean="0"/>
+              <a:rPr lang="pt-PT" dirty="0"/>
               <a:t>  </a:t>
             </a:r>
             <a:r>
-              <a:rPr lang="pt-PT" sz="1400" dirty="0" smtClean="0"/>
+              <a:rPr lang="pt-PT" sz="1400" dirty="0"/>
               <a:t>P3  P2 P1</a:t>
             </a:r>
-            <a:endParaRPr lang="pt-PT" sz="1400" dirty="0" smtClean="0"/>
           </a:p>
         </p:txBody>
       </p:sp>
@@ -6760,22 +6740,22 @@
           <a:lstStyle/>
           <a:p>
             <a:r>
-              <a:rPr lang="pt-PT" sz="1400" dirty="0" smtClean="0"/>
+              <a:rPr lang="pt-PT" sz="1400" dirty="0"/>
               <a:t> </a:t>
             </a:r>
             <a:r>
-              <a:rPr lang="pt-PT" sz="1400" dirty="0" err="1" smtClean="0"/>
+              <a:rPr lang="pt-PT" sz="1400" dirty="0" err="1"/>
               <a:t>Start</a:t>
             </a:r>
             <a:r>
-              <a:rPr lang="pt-PT" sz="1400" dirty="0" smtClean="0"/>
+              <a:rPr lang="pt-PT" sz="1400" dirty="0"/>
               <a:t> </a:t>
             </a:r>
             <a:r>
-              <a:rPr lang="pt-PT" sz="1400" dirty="0" err="1" smtClean="0"/>
+              <a:rPr lang="pt-PT" sz="1400" dirty="0" err="1"/>
               <a:t>Reset</a:t>
             </a:r>
-            <a:endParaRPr lang="pt-PT" sz="1100" dirty="0" smtClean="0"/>
+            <a:endParaRPr lang="pt-PT" sz="1100" dirty="0"/>
           </a:p>
         </p:txBody>
       </p:sp>
@@ -6805,28 +6785,27 @@
           <a:lstStyle/>
           <a:p>
             <a:r>
-              <a:rPr lang="pt-PT" sz="1400" dirty="0" smtClean="0"/>
+              <a:rPr lang="pt-PT" sz="1400" dirty="0"/>
               <a:t>L3 - Spin</a:t>
             </a:r>
           </a:p>
           <a:p>
             <a:r>
-              <a:rPr lang="pt-PT" sz="1400" dirty="0" smtClean="0"/>
+              <a:rPr lang="pt-PT" sz="1400" dirty="0"/>
               <a:t>L2 - Bomba de Água</a:t>
             </a:r>
           </a:p>
           <a:p>
             <a:r>
-              <a:rPr lang="pt-PT" sz="1400" dirty="0" smtClean="0"/>
+              <a:rPr lang="pt-PT" sz="1400" dirty="0"/>
               <a:t>L1 - Enxaguamento</a:t>
             </a:r>
           </a:p>
           <a:p>
             <a:r>
-              <a:rPr lang="pt-PT" sz="1400" dirty="0" smtClean="0"/>
+              <a:rPr lang="pt-PT" sz="1400" dirty="0"/>
               <a:t>L0 - Válvula de Admissão</a:t>
             </a:r>
-            <a:endParaRPr lang="pt-PT" sz="1400" dirty="0" smtClean="0"/>
           </a:p>
         </p:txBody>
       </p:sp>
@@ -6852,13 +6831,6 @@
       </p:transition>
     </mc:Fallback>
   </mc:AlternateContent>
-  <p:timing>
-    <p:tnLst>
-      <p:par>
-        <p:cTn id="1" dur="indefinite" restart="never" nodeType="tmRoot"/>
-      </p:par>
-    </p:tnLst>
-  </p:timing>
 </p:sld>
 </file>
 
@@ -6889,17 +6861,23 @@
             <p:ph type="title"/>
           </p:nvPr>
         </p:nvSpPr>
-        <p:spPr/>
-        <p:txBody>
-          <a:bodyPr rtlCol="0"/>
+        <p:spPr>
+          <a:xfrm>
+            <a:off x="609600" y="704088"/>
+            <a:ext cx="10972800" cy="1143000"/>
+          </a:xfrm>
+        </p:spPr>
+        <p:txBody>
+          <a:bodyPr rtlCol="0" anchor="b">
+            <a:normAutofit/>
+          </a:bodyPr>
           <a:lstStyle/>
           <a:p>
             <a:pPr rtl="0"/>
             <a:r>
-              <a:rPr lang="pt-PT" dirty="0" smtClean="0"/>
+              <a:rPr lang="pt-PT" dirty="0"/>
               <a:t>Conclusão</a:t>
             </a:r>
-            <a:endParaRPr lang="pt-PT" dirty="0"/>
           </a:p>
         </p:txBody>
       </p:sp>
@@ -6910,21 +6888,106 @@
             <a:spLocks noGrp="1"/>
           </p:cNvSpPr>
           <p:nvPr>
-            <p:ph idx="1"/>
-          </p:nvPr>
-        </p:nvSpPr>
-        <p:spPr/>
-        <p:txBody>
-          <a:bodyPr rtlCol="0"/>
-          <a:lstStyle/>
-          <a:p>
-            <a:pPr marL="0" indent="0" rtl="0">
-              <a:buNone/>
-            </a:pPr>
-            <a:endParaRPr lang="pt-PT" dirty="0"/>
-          </a:p>
-        </p:txBody>
-      </p:sp>
+            <p:ph sz="half" idx="1"/>
+          </p:nvPr>
+        </p:nvSpPr>
+        <p:spPr>
+          <a:xfrm>
+            <a:off x="609600" y="1920085"/>
+            <a:ext cx="5384800" cy="4434840"/>
+          </a:xfrm>
+        </p:spPr>
+        <p:txBody>
+          <a:bodyPr rtlCol="0">
+            <a:normAutofit/>
+          </a:bodyPr>
+          <a:lstStyle/>
+          <a:p>
+            <a:r>
+              <a:rPr lang="pt-PT"/>
+              <a:t>Aprofundamento de conhecimentos</a:t>
+            </a:r>
+          </a:p>
+          <a:p>
+            <a:r>
+              <a:rPr lang="pt-PT"/>
+              <a:t>Perceção de que há muito mais por trás de eletrodoméstico</a:t>
+            </a:r>
+          </a:p>
+          <a:p>
+            <a:r>
+              <a:rPr lang="pt-PT"/>
+              <a:t>Programar algo envolve:</a:t>
+            </a:r>
+          </a:p>
+          <a:p>
+            <a:pPr lvl="1"/>
+            <a:r>
+              <a:rPr lang="pt-PT" sz="2600"/>
+              <a:t>Trabalho</a:t>
+            </a:r>
+          </a:p>
+          <a:p>
+            <a:pPr lvl="1"/>
+            <a:r>
+              <a:rPr lang="pt-PT" sz="2600"/>
+              <a:t>Prática</a:t>
+            </a:r>
+          </a:p>
+          <a:p>
+            <a:pPr lvl="1"/>
+            <a:r>
+              <a:rPr lang="pt-PT" sz="2600"/>
+              <a:t>Dedicação</a:t>
+            </a:r>
+          </a:p>
+        </p:txBody>
+      </p:sp>
+      <p:pic>
+        <p:nvPicPr>
+          <p:cNvPr id="6" name="Imagem 5">
+            <a:extLst>
+              <a:ext uri="{FF2B5EF4-FFF2-40B4-BE49-F238E27FC236}">
+                <a16:creationId xmlns:a16="http://schemas.microsoft.com/office/drawing/2014/main" id="{0F92C3F6-7A33-8146-AF62-0B6138E5BD85}"/>
+              </a:ext>
+            </a:extLst>
+          </p:cNvPr>
+          <p:cNvPicPr>
+            <a:picLocks noChangeAspect="1"/>
+          </p:cNvPicPr>
+          <p:nvPr/>
+        </p:nvPicPr>
+        <p:blipFill rotWithShape="1">
+          <a:blip r:embed="rId3" cstate="print">
+            <a:extLst>
+              <a:ext uri="{28A0092B-C50C-407E-A947-70E740481C1C}">
+                <a14:useLocalDpi xmlns:a14="http://schemas.microsoft.com/office/drawing/2010/main" val="0"/>
+              </a:ext>
+            </a:extLst>
+          </a:blip>
+          <a:srcRect l="11998" r="6955" b="1"/>
+          <a:stretch/>
+        </p:blipFill>
+        <p:spPr>
+          <a:xfrm>
+            <a:off x="6197600" y="1920085"/>
+            <a:ext cx="5384800" cy="4434840"/>
+          </a:xfrm>
+          <a:prstGeom prst="rect">
+            <a:avLst/>
+          </a:prstGeom>
+          <a:ln>
+            <a:noFill/>
+          </a:ln>
+          <a:effectLst>
+            <a:outerShdw blurRad="190500" algn="tl" rotWithShape="0">
+              <a:srgbClr val="000000">
+                <a:alpha val="70000"/>
+              </a:srgbClr>
+            </a:outerShdw>
+          </a:effectLst>
+        </p:spPr>
+      </p:pic>
     </p:spTree>
     <p:extLst>
       <p:ext uri="{BB962C8B-B14F-4D97-AF65-F5344CB8AC3E}">
@@ -6947,13 +7010,6 @@
       </p:transition>
     </mc:Fallback>
   </mc:AlternateContent>
-  <p:timing>
-    <p:tnLst>
-      <p:par>
-        <p:cTn id="1" dur="indefinite" restart="never" nodeType="tmRoot"/>
-      </p:par>
-    </p:tnLst>
-  </p:timing>
 </p:sld>
 </file>
 
